--- a/figures/anomaly_schematic.pptx
+++ b/figures/anomaly_schematic.pptx
@@ -115,6 +115,270 @@
 <file path=ppt/changesInfos/changesInfo1.xml><?xml version="1.0" encoding="utf-8"?>
 <pc:chgInfo xmlns:a="http://schemas.openxmlformats.org/drawingml/2006/main" xmlns:r="http://schemas.openxmlformats.org/officeDocument/2006/relationships" xmlns:ac="http://schemas.microsoft.com/office/drawing/2013/main/command" xmlns:pc="http://schemas.microsoft.com/office/powerpoint/2013/main/command">
   <pc:docChgLst>
+    <pc:chgData name="Hollister, Jeff" userId="90904e2a-aa82-465e-9922-afce4bc6d524" providerId="ADAL" clId="{2BD53D95-BF5B-4607-ACC7-9FF4C4FA2560}"/>
+    <pc:docChg chg="modSld">
+      <pc:chgData name="Hollister, Jeff" userId="90904e2a-aa82-465e-9922-afce4bc6d524" providerId="ADAL" clId="{2BD53D95-BF5B-4607-ACC7-9FF4C4FA2560}" dt="2020-09-10T17:50:45.556" v="166" actId="20577"/>
+      <pc:docMkLst>
+        <pc:docMk/>
+      </pc:docMkLst>
+      <pc:sldChg chg="modSp">
+        <pc:chgData name="Hollister, Jeff" userId="90904e2a-aa82-465e-9922-afce4bc6d524" providerId="ADAL" clId="{2BD53D95-BF5B-4607-ACC7-9FF4C4FA2560}" dt="2020-09-10T17:50:45.556" v="166" actId="20577"/>
+        <pc:sldMkLst>
+          <pc:docMk/>
+          <pc:sldMk cId="1258879937" sldId="257"/>
+        </pc:sldMkLst>
+        <pc:spChg chg="mod">
+          <ac:chgData name="Hollister, Jeff" userId="90904e2a-aa82-465e-9922-afce4bc6d524" providerId="ADAL" clId="{2BD53D95-BF5B-4607-ACC7-9FF4C4FA2560}" dt="2020-09-10T17:35:07.236" v="62" actId="20577"/>
+          <ac:spMkLst>
+            <pc:docMk/>
+            <pc:sldMk cId="1258879937" sldId="257"/>
+            <ac:spMk id="4" creationId="{9DAAA7D2-1A2B-4088-BAD1-9556A15760E2}"/>
+          </ac:spMkLst>
+        </pc:spChg>
+        <pc:spChg chg="mod">
+          <ac:chgData name="Hollister, Jeff" userId="90904e2a-aa82-465e-9922-afce4bc6d524" providerId="ADAL" clId="{2BD53D95-BF5B-4607-ACC7-9FF4C4FA2560}" dt="2020-09-10T17:36:06.492" v="94" actId="20577"/>
+          <ac:spMkLst>
+            <pc:docMk/>
+            <pc:sldMk cId="1258879937" sldId="257"/>
+            <ac:spMk id="5" creationId="{8C9786EB-34F3-4C77-BDCA-E8BD08FE1D11}"/>
+          </ac:spMkLst>
+        </pc:spChg>
+        <pc:spChg chg="mod">
+          <ac:chgData name="Hollister, Jeff" userId="90904e2a-aa82-465e-9922-afce4bc6d524" providerId="ADAL" clId="{2BD53D95-BF5B-4607-ACC7-9FF4C4FA2560}" dt="2020-09-10T17:36:40.738" v="116" actId="20577"/>
+          <ac:spMkLst>
+            <pc:docMk/>
+            <pc:sldMk cId="1258879937" sldId="257"/>
+            <ac:spMk id="6" creationId="{6A1187EE-F5D0-4199-837E-29800767DC0A}"/>
+          </ac:spMkLst>
+        </pc:spChg>
+        <pc:spChg chg="mod">
+          <ac:chgData name="Hollister, Jeff" userId="90904e2a-aa82-465e-9922-afce4bc6d524" providerId="ADAL" clId="{2BD53D95-BF5B-4607-ACC7-9FF4C4FA2560}" dt="2020-09-10T17:35:26.343" v="72" actId="20577"/>
+          <ac:spMkLst>
+            <pc:docMk/>
+            <pc:sldMk cId="1258879937" sldId="257"/>
+            <ac:spMk id="17" creationId="{5A0B819A-6092-412C-9924-B3C364E52138}"/>
+          </ac:spMkLst>
+        </pc:spChg>
+        <pc:spChg chg="mod">
+          <ac:chgData name="Hollister, Jeff" userId="90904e2a-aa82-465e-9922-afce4bc6d524" providerId="ADAL" clId="{2BD53D95-BF5B-4607-ACC7-9FF4C4FA2560}" dt="2020-09-10T17:48:51.512" v="158" actId="20577"/>
+          <ac:spMkLst>
+            <pc:docMk/>
+            <pc:sldMk cId="1258879937" sldId="257"/>
+            <ac:spMk id="46" creationId="{C3A20179-B135-43EF-8DAB-9E7F9E30EB7E}"/>
+          </ac:spMkLst>
+        </pc:spChg>
+        <pc:spChg chg="mod">
+          <ac:chgData name="Hollister, Jeff" userId="90904e2a-aa82-465e-9922-afce4bc6d524" providerId="ADAL" clId="{2BD53D95-BF5B-4607-ACC7-9FF4C4FA2560}" dt="2020-09-10T17:49:14.229" v="161" actId="20577"/>
+          <ac:spMkLst>
+            <pc:docMk/>
+            <pc:sldMk cId="1258879937" sldId="257"/>
+            <ac:spMk id="47" creationId="{FE0C46E8-9AEC-473D-A4E5-7E175F91BEBD}"/>
+          </ac:spMkLst>
+        </pc:spChg>
+        <pc:spChg chg="mod">
+          <ac:chgData name="Hollister, Jeff" userId="90904e2a-aa82-465e-9922-afce4bc6d524" providerId="ADAL" clId="{2BD53D95-BF5B-4607-ACC7-9FF4C4FA2560}" dt="2020-09-10T17:50:45.556" v="166" actId="20577"/>
+          <ac:spMkLst>
+            <pc:docMk/>
+            <pc:sldMk cId="1258879937" sldId="257"/>
+            <ac:spMk id="48" creationId="{643CB40A-4BCF-4B4D-8D89-F0145DFA33D3}"/>
+          </ac:spMkLst>
+        </pc:spChg>
+        <pc:spChg chg="mod">
+          <ac:chgData name="Hollister, Jeff" userId="90904e2a-aa82-465e-9922-afce4bc6d524" providerId="ADAL" clId="{2BD53D95-BF5B-4607-ACC7-9FF4C4FA2560}" dt="2020-09-10T17:37:35.207" v="148" actId="20577"/>
+          <ac:spMkLst>
+            <pc:docMk/>
+            <pc:sldMk cId="1258879937" sldId="257"/>
+            <ac:spMk id="78" creationId="{7C7F0A6A-CADA-4A85-A1AB-018058996648}"/>
+          </ac:spMkLst>
+        </pc:spChg>
+        <pc:spChg chg="mod">
+          <ac:chgData name="Hollister, Jeff" userId="90904e2a-aa82-465e-9922-afce4bc6d524" providerId="ADAL" clId="{2BD53D95-BF5B-4607-ACC7-9FF4C4FA2560}" dt="2020-09-10T17:35:14.565" v="66" actId="20577"/>
+          <ac:spMkLst>
+            <pc:docMk/>
+            <pc:sldMk cId="1258879937" sldId="257"/>
+            <ac:spMk id="93" creationId="{03EC8AA9-91BF-4941-9103-3A491FE76F10}"/>
+          </ac:spMkLst>
+        </pc:spChg>
+        <pc:spChg chg="mod">
+          <ac:chgData name="Hollister, Jeff" userId="90904e2a-aa82-465e-9922-afce4bc6d524" providerId="ADAL" clId="{2BD53D95-BF5B-4607-ACC7-9FF4C4FA2560}" dt="2020-09-10T17:35:33.147" v="76" actId="20577"/>
+          <ac:spMkLst>
+            <pc:docMk/>
+            <pc:sldMk cId="1258879937" sldId="257"/>
+            <ac:spMk id="100" creationId="{F7244D2D-C59F-4B1C-99D0-4A05C6D862C9}"/>
+          </ac:spMkLst>
+        </pc:spChg>
+        <pc:spChg chg="mod">
+          <ac:chgData name="Hollister, Jeff" userId="90904e2a-aa82-465e-9922-afce4bc6d524" providerId="ADAL" clId="{2BD53D95-BF5B-4607-ACC7-9FF4C4FA2560}" dt="2020-09-10T17:35:41.878" v="82" actId="20577"/>
+          <ac:spMkLst>
+            <pc:docMk/>
+            <pc:sldMk cId="1258879937" sldId="257"/>
+            <ac:spMk id="135" creationId="{8B1A4E2D-846F-490F-825E-A5F984B10B52}"/>
+          </ac:spMkLst>
+        </pc:spChg>
+        <pc:spChg chg="mod">
+          <ac:chgData name="Hollister, Jeff" userId="90904e2a-aa82-465e-9922-afce4bc6d524" providerId="ADAL" clId="{2BD53D95-BF5B-4607-ACC7-9FF4C4FA2560}" dt="2020-09-10T17:35:51.212" v="86" actId="20577"/>
+          <ac:spMkLst>
+            <pc:docMk/>
+            <pc:sldMk cId="1258879937" sldId="257"/>
+            <ac:spMk id="145" creationId="{40B959CA-F2FB-47F1-8034-BC0CC14DBDCE}"/>
+          </ac:spMkLst>
+        </pc:spChg>
+        <pc:spChg chg="mod">
+          <ac:chgData name="Hollister, Jeff" userId="90904e2a-aa82-465e-9922-afce4bc6d524" providerId="ADAL" clId="{2BD53D95-BF5B-4607-ACC7-9FF4C4FA2560}" dt="2020-09-10T17:35:59.789" v="92" actId="20577"/>
+          <ac:spMkLst>
+            <pc:docMk/>
+            <pc:sldMk cId="1258879937" sldId="257"/>
+            <ac:spMk id="147" creationId="{7DF66D5F-D811-43C2-B6C6-515E8DC43039}"/>
+          </ac:spMkLst>
+        </pc:spChg>
+        <pc:spChg chg="mod">
+          <ac:chgData name="Hollister, Jeff" userId="90904e2a-aa82-465e-9922-afce4bc6d524" providerId="ADAL" clId="{2BD53D95-BF5B-4607-ACC7-9FF4C4FA2560}" dt="2020-09-10T17:36:12.727" v="98" actId="20577"/>
+          <ac:spMkLst>
+            <pc:docMk/>
+            <pc:sldMk cId="1258879937" sldId="257"/>
+            <ac:spMk id="157" creationId="{915B7EE8-59B1-4DFF-B2D4-5E1FC6D7163A}"/>
+          </ac:spMkLst>
+        </pc:spChg>
+        <pc:spChg chg="mod">
+          <ac:chgData name="Hollister, Jeff" userId="90904e2a-aa82-465e-9922-afce4bc6d524" providerId="ADAL" clId="{2BD53D95-BF5B-4607-ACC7-9FF4C4FA2560}" dt="2020-09-10T17:36:20.766" v="104" actId="20577"/>
+          <ac:spMkLst>
+            <pc:docMk/>
+            <pc:sldMk cId="1258879937" sldId="257"/>
+            <ac:spMk id="159" creationId="{77874112-F8D8-43ED-889C-23DBA9611583}"/>
+          </ac:spMkLst>
+        </pc:spChg>
+        <pc:spChg chg="mod">
+          <ac:chgData name="Hollister, Jeff" userId="90904e2a-aa82-465e-9922-afce4bc6d524" providerId="ADAL" clId="{2BD53D95-BF5B-4607-ACC7-9FF4C4FA2560}" dt="2020-09-10T17:36:28.294" v="108" actId="20577"/>
+          <ac:spMkLst>
+            <pc:docMk/>
+            <pc:sldMk cId="1258879937" sldId="257"/>
+            <ac:spMk id="169" creationId="{792C1AA7-2FF4-4810-80F3-5F7D3F2AF538}"/>
+          </ac:spMkLst>
+        </pc:spChg>
+        <pc:spChg chg="mod">
+          <ac:chgData name="Hollister, Jeff" userId="90904e2a-aa82-465e-9922-afce4bc6d524" providerId="ADAL" clId="{2BD53D95-BF5B-4607-ACC7-9FF4C4FA2560}" dt="2020-09-10T17:36:36.739" v="114" actId="20577"/>
+          <ac:spMkLst>
+            <pc:docMk/>
+            <pc:sldMk cId="1258879937" sldId="257"/>
+            <ac:spMk id="171" creationId="{C28611AB-32E9-411D-A218-02ECB3D0F66B}"/>
+          </ac:spMkLst>
+        </pc:spChg>
+        <pc:spChg chg="mod">
+          <ac:chgData name="Hollister, Jeff" userId="90904e2a-aa82-465e-9922-afce4bc6d524" providerId="ADAL" clId="{2BD53D95-BF5B-4607-ACC7-9FF4C4FA2560}" dt="2020-09-10T17:36:46.911" v="120" actId="20577"/>
+          <ac:spMkLst>
+            <pc:docMk/>
+            <pc:sldMk cId="1258879937" sldId="257"/>
+            <ac:spMk id="181" creationId="{B29F950C-7C2C-489E-9431-F784191C1339}"/>
+          </ac:spMkLst>
+        </pc:spChg>
+        <pc:spChg chg="mod">
+          <ac:chgData name="Hollister, Jeff" userId="90904e2a-aa82-465e-9922-afce4bc6d524" providerId="ADAL" clId="{2BD53D95-BF5B-4607-ACC7-9FF4C4FA2560}" dt="2020-09-10T17:36:54.796" v="126" actId="20577"/>
+          <ac:spMkLst>
+            <pc:docMk/>
+            <pc:sldMk cId="1258879937" sldId="257"/>
+            <ac:spMk id="183" creationId="{5AB003E2-E911-4941-A9BA-04977682940A}"/>
+          </ac:spMkLst>
+        </pc:spChg>
+        <pc:spChg chg="mod">
+          <ac:chgData name="Hollister, Jeff" userId="90904e2a-aa82-465e-9922-afce4bc6d524" providerId="ADAL" clId="{2BD53D95-BF5B-4607-ACC7-9FF4C4FA2560}" dt="2020-09-10T17:37:01.069" v="130" actId="20577"/>
+          <ac:spMkLst>
+            <pc:docMk/>
+            <pc:sldMk cId="1258879937" sldId="257"/>
+            <ac:spMk id="194" creationId="{69FC8C15-20BE-4F1D-A797-BC6A67E97706}"/>
+          </ac:spMkLst>
+        </pc:spChg>
+        <pc:spChg chg="mod">
+          <ac:chgData name="Hollister, Jeff" userId="90904e2a-aa82-465e-9922-afce4bc6d524" providerId="ADAL" clId="{2BD53D95-BF5B-4607-ACC7-9FF4C4FA2560}" dt="2020-09-10T17:37:09.685" v="136" actId="20577"/>
+          <ac:spMkLst>
+            <pc:docMk/>
+            <pc:sldMk cId="1258879937" sldId="257"/>
+            <ac:spMk id="196" creationId="{0231B5BA-5F9C-4DC5-979C-BCC881FC61EE}"/>
+          </ac:spMkLst>
+        </pc:spChg>
+        <pc:spChg chg="mod">
+          <ac:chgData name="Hollister, Jeff" userId="90904e2a-aa82-465e-9922-afce4bc6d524" providerId="ADAL" clId="{2BD53D95-BF5B-4607-ACC7-9FF4C4FA2560}" dt="2020-09-10T17:37:15.516" v="140" actId="20577"/>
+          <ac:spMkLst>
+            <pc:docMk/>
+            <pc:sldMk cId="1258879937" sldId="257"/>
+            <ac:spMk id="206" creationId="{ADD0D959-3286-4615-AADA-DFA3E6A52FBE}"/>
+          </ac:spMkLst>
+        </pc:spChg>
+        <pc:spChg chg="mod">
+          <ac:chgData name="Hollister, Jeff" userId="90904e2a-aa82-465e-9922-afce4bc6d524" providerId="ADAL" clId="{2BD53D95-BF5B-4607-ACC7-9FF4C4FA2560}" dt="2020-09-10T17:37:25.836" v="146" actId="20577"/>
+          <ac:spMkLst>
+            <pc:docMk/>
+            <pc:sldMk cId="1258879937" sldId="257"/>
+            <ac:spMk id="208" creationId="{D4CDB1DE-EB33-4A43-8FDD-0C3A454D5385}"/>
+          </ac:spMkLst>
+        </pc:spChg>
+        <pc:grpChg chg="mod">
+          <ac:chgData name="Hollister, Jeff" userId="90904e2a-aa82-465e-9922-afce4bc6d524" providerId="ADAL" clId="{2BD53D95-BF5B-4607-ACC7-9FF4C4FA2560}" dt="2020-09-10T17:29:12.036" v="0"/>
+          <ac:grpSpMkLst>
+            <pc:docMk/>
+            <pc:sldMk cId="1258879937" sldId="257"/>
+            <ac:grpSpMk id="10" creationId="{73F138C7-5911-4D19-A7EB-068AC54524D1}"/>
+          </ac:grpSpMkLst>
+        </pc:grpChg>
+        <pc:grpChg chg="mod">
+          <ac:chgData name="Hollister, Jeff" userId="90904e2a-aa82-465e-9922-afce4bc6d524" providerId="ADAL" clId="{2BD53D95-BF5B-4607-ACC7-9FF4C4FA2560}" dt="2020-09-10T17:29:12.036" v="0"/>
+          <ac:grpSpMkLst>
+            <pc:docMk/>
+            <pc:sldMk cId="1258879937" sldId="257"/>
+            <ac:grpSpMk id="11" creationId="{5A1D08A3-928B-4517-A851-6A3467FB5B00}"/>
+          </ac:grpSpMkLst>
+        </pc:grpChg>
+        <pc:grpChg chg="mod">
+          <ac:chgData name="Hollister, Jeff" userId="90904e2a-aa82-465e-9922-afce4bc6d524" providerId="ADAL" clId="{2BD53D95-BF5B-4607-ACC7-9FF4C4FA2560}" dt="2020-09-10T17:29:12.036" v="0"/>
+          <ac:grpSpMkLst>
+            <pc:docMk/>
+            <pc:sldMk cId="1258879937" sldId="257"/>
+            <ac:grpSpMk id="12" creationId="{12C8590B-AA9E-4472-B584-468E756D0256}"/>
+          </ac:grpSpMkLst>
+        </pc:grpChg>
+        <pc:grpChg chg="mod">
+          <ac:chgData name="Hollister, Jeff" userId="90904e2a-aa82-465e-9922-afce4bc6d524" providerId="ADAL" clId="{2BD53D95-BF5B-4607-ACC7-9FF4C4FA2560}" dt="2020-09-10T17:29:12.036" v="0"/>
+          <ac:grpSpMkLst>
+            <pc:docMk/>
+            <pc:sldMk cId="1258879937" sldId="257"/>
+            <ac:grpSpMk id="13" creationId="{2440A1D9-498C-4C97-8F68-A1E16090B1AA}"/>
+          </ac:grpSpMkLst>
+        </pc:grpChg>
+        <pc:grpChg chg="mod">
+          <ac:chgData name="Hollister, Jeff" userId="90904e2a-aa82-465e-9922-afce4bc6d524" providerId="ADAL" clId="{2BD53D95-BF5B-4607-ACC7-9FF4C4FA2560}" dt="2020-09-10T17:29:12.036" v="0"/>
+          <ac:grpSpMkLst>
+            <pc:docMk/>
+            <pc:sldMk cId="1258879937" sldId="257"/>
+            <ac:grpSpMk id="14" creationId="{3B36EFBD-047F-4062-8F3F-FCCCFC393FE7}"/>
+          </ac:grpSpMkLst>
+        </pc:grpChg>
+        <pc:grpChg chg="mod">
+          <ac:chgData name="Hollister, Jeff" userId="90904e2a-aa82-465e-9922-afce4bc6d524" providerId="ADAL" clId="{2BD53D95-BF5B-4607-ACC7-9FF4C4FA2560}" dt="2020-09-10T17:29:12.036" v="0"/>
+          <ac:grpSpMkLst>
+            <pc:docMk/>
+            <pc:sldMk cId="1258879937" sldId="257"/>
+            <ac:grpSpMk id="23" creationId="{1714ACC4-D05B-4994-B9E4-028C77C5FA13}"/>
+          </ac:grpSpMkLst>
+        </pc:grpChg>
+        <pc:grpChg chg="mod">
+          <ac:chgData name="Hollister, Jeff" userId="90904e2a-aa82-465e-9922-afce4bc6d524" providerId="ADAL" clId="{2BD53D95-BF5B-4607-ACC7-9FF4C4FA2560}" dt="2020-09-10T17:29:12.036" v="0"/>
+          <ac:grpSpMkLst>
+            <pc:docMk/>
+            <pc:sldMk cId="1258879937" sldId="257"/>
+            <ac:grpSpMk id="25" creationId="{8B25DCD1-916A-47AF-9C28-BA80E3F33FEE}"/>
+          </ac:grpSpMkLst>
+        </pc:grpChg>
+        <pc:grpChg chg="mod">
+          <ac:chgData name="Hollister, Jeff" userId="90904e2a-aa82-465e-9922-afce4bc6d524" providerId="ADAL" clId="{2BD53D95-BF5B-4607-ACC7-9FF4C4FA2560}" dt="2020-09-10T17:29:12.036" v="0"/>
+          <ac:grpSpMkLst>
+            <pc:docMk/>
+            <pc:sldMk cId="1258879937" sldId="257"/>
+            <ac:grpSpMk id="26" creationId="{9A2DFAF8-E317-427F-A11B-92190CFE733D}"/>
+          </ac:grpSpMkLst>
+        </pc:grpChg>
+      </pc:sldChg>
+    </pc:docChg>
+  </pc:docChgLst>
+  <pc:docChgLst>
     <pc:chgData name="Hollister, Jeff" userId="90904e2a-aa82-465e-9922-afce4bc6d524" providerId="ADAL" clId="{FF81F469-11C9-496D-BE47-FAE2A34D912A}"/>
     <pc:docChg chg="undo custSel modSld">
       <pc:chgData name="Hollister, Jeff" userId="90904e2a-aa82-465e-9922-afce4bc6d524" providerId="ADAL" clId="{FF81F469-11C9-496D-BE47-FAE2A34D912A}" dt="2020-01-30T21:05:02.064" v="434" actId="207"/>
@@ -1176,7 +1440,7 @@
           <a:p>
             <a:fld id="{F7167FF9-F47C-4F59-88DD-9CEB65E35CFA}" type="datetimeFigureOut">
               <a:rPr lang="en-US" smtClean="0"/>
-              <a:t>1/30/2020</a:t>
+              <a:t>9/10/2020</a:t>
             </a:fld>
             <a:endParaRPr lang="en-US"/>
           </a:p>
@@ -1346,7 +1610,7 @@
           <a:p>
             <a:fld id="{F7167FF9-F47C-4F59-88DD-9CEB65E35CFA}" type="datetimeFigureOut">
               <a:rPr lang="en-US" smtClean="0"/>
-              <a:t>1/30/2020</a:t>
+              <a:t>9/10/2020</a:t>
             </a:fld>
             <a:endParaRPr lang="en-US"/>
           </a:p>
@@ -1526,7 +1790,7 @@
           <a:p>
             <a:fld id="{F7167FF9-F47C-4F59-88DD-9CEB65E35CFA}" type="datetimeFigureOut">
               <a:rPr lang="en-US" smtClean="0"/>
-              <a:t>1/30/2020</a:t>
+              <a:t>9/10/2020</a:t>
             </a:fld>
             <a:endParaRPr lang="en-US"/>
           </a:p>
@@ -1696,7 +1960,7 @@
           <a:p>
             <a:fld id="{F7167FF9-F47C-4F59-88DD-9CEB65E35CFA}" type="datetimeFigureOut">
               <a:rPr lang="en-US" smtClean="0"/>
-              <a:t>1/30/2020</a:t>
+              <a:t>9/10/2020</a:t>
             </a:fld>
             <a:endParaRPr lang="en-US"/>
           </a:p>
@@ -1940,7 +2204,7 @@
           <a:p>
             <a:fld id="{F7167FF9-F47C-4F59-88DD-9CEB65E35CFA}" type="datetimeFigureOut">
               <a:rPr lang="en-US" smtClean="0"/>
-              <a:t>1/30/2020</a:t>
+              <a:t>9/10/2020</a:t>
             </a:fld>
             <a:endParaRPr lang="en-US"/>
           </a:p>
@@ -2172,7 +2436,7 @@
           <a:p>
             <a:fld id="{F7167FF9-F47C-4F59-88DD-9CEB65E35CFA}" type="datetimeFigureOut">
               <a:rPr lang="en-US" smtClean="0"/>
-              <a:t>1/30/2020</a:t>
+              <a:t>9/10/2020</a:t>
             </a:fld>
             <a:endParaRPr lang="en-US"/>
           </a:p>
@@ -2539,7 +2803,7 @@
           <a:p>
             <a:fld id="{F7167FF9-F47C-4F59-88DD-9CEB65E35CFA}" type="datetimeFigureOut">
               <a:rPr lang="en-US" smtClean="0"/>
-              <a:t>1/30/2020</a:t>
+              <a:t>9/10/2020</a:t>
             </a:fld>
             <a:endParaRPr lang="en-US"/>
           </a:p>
@@ -2657,7 +2921,7 @@
           <a:p>
             <a:fld id="{F7167FF9-F47C-4F59-88DD-9CEB65E35CFA}" type="datetimeFigureOut">
               <a:rPr lang="en-US" smtClean="0"/>
-              <a:t>1/30/2020</a:t>
+              <a:t>9/10/2020</a:t>
             </a:fld>
             <a:endParaRPr lang="en-US"/>
           </a:p>
@@ -2752,7 +3016,7 @@
           <a:p>
             <a:fld id="{F7167FF9-F47C-4F59-88DD-9CEB65E35CFA}" type="datetimeFigureOut">
               <a:rPr lang="en-US" smtClean="0"/>
-              <a:t>1/30/2020</a:t>
+              <a:t>9/10/2020</a:t>
             </a:fld>
             <a:endParaRPr lang="en-US"/>
           </a:p>
@@ -3029,7 +3293,7 @@
           <a:p>
             <a:fld id="{F7167FF9-F47C-4F59-88DD-9CEB65E35CFA}" type="datetimeFigureOut">
               <a:rPr lang="en-US" smtClean="0"/>
-              <a:t>1/30/2020</a:t>
+              <a:t>9/10/2020</a:t>
             </a:fld>
             <a:endParaRPr lang="en-US"/>
           </a:p>
@@ -3286,7 +3550,7 @@
           <a:p>
             <a:fld id="{F7167FF9-F47C-4F59-88DD-9CEB65E35CFA}" type="datetimeFigureOut">
               <a:rPr lang="en-US" smtClean="0"/>
-              <a:t>1/30/2020</a:t>
+              <a:t>9/10/2020</a:t>
             </a:fld>
             <a:endParaRPr lang="en-US"/>
           </a:p>
@@ -3499,7 +3763,7 @@
           <a:p>
             <a:fld id="{F7167FF9-F47C-4F59-88DD-9CEB65E35CFA}" type="datetimeFigureOut">
               <a:rPr lang="en-US" smtClean="0"/>
-              <a:t>1/30/2020</a:t>
+              <a:t>9/10/2020</a:t>
             </a:fld>
             <a:endParaRPr lang="en-US"/>
           </a:p>
@@ -3919,7 +4183,7 @@
         <p:spPr>
           <a:xfrm>
             <a:off x="14306" y="419141"/>
-            <a:ext cx="867545" cy="646331"/>
+            <a:ext cx="830677" cy="646331"/>
           </a:xfrm>
           <a:prstGeom prst="rect">
             <a:avLst/>
@@ -3951,7 +4215,7 @@
                 <a:latin typeface="Roboto Condensed" panose="02000000000000000000" pitchFamily="2" charset="0"/>
                 <a:ea typeface="Roboto Condensed" panose="02000000000000000000" pitchFamily="2" charset="0"/>
               </a:rPr>
-              <a:t>Long-term</a:t>
+              <a:t>long-term</a:t>
             </a:r>
             <a:br>
               <a:rPr lang="en-US" sz="1100" dirty="0">
@@ -3964,7 +4228,7 @@
                 <a:latin typeface="Roboto Condensed" panose="02000000000000000000" pitchFamily="2" charset="0"/>
                 <a:ea typeface="Roboto Condensed" panose="02000000000000000000" pitchFamily="2" charset="0"/>
               </a:rPr>
-              <a:t>mean = 7.06</a:t>
+              <a:t>median = 6</a:t>
             </a:r>
           </a:p>
         </p:txBody>
@@ -3984,7 +4248,7 @@
         <p:spPr>
           <a:xfrm>
             <a:off x="14306" y="1619475"/>
-            <a:ext cx="867545" cy="646331"/>
+            <a:ext cx="901209" cy="646331"/>
           </a:xfrm>
           <a:prstGeom prst="rect">
             <a:avLst/>
@@ -4016,7 +4280,7 @@
                 <a:latin typeface="Roboto Condensed" panose="02000000000000000000" pitchFamily="2" charset="0"/>
                 <a:ea typeface="Roboto Condensed" panose="02000000000000000000" pitchFamily="2" charset="0"/>
               </a:rPr>
-              <a:t>Long-term</a:t>
+              <a:t>long-term</a:t>
             </a:r>
             <a:br>
               <a:rPr lang="en-US" sz="1100" dirty="0">
@@ -4029,7 +4293,7 @@
                 <a:latin typeface="Roboto Condensed" panose="02000000000000000000" pitchFamily="2" charset="0"/>
                 <a:ea typeface="Roboto Condensed" panose="02000000000000000000" pitchFamily="2" charset="0"/>
               </a:rPr>
-              <a:t>mean = 3.66</a:t>
+              <a:t>median = 3.5</a:t>
             </a:r>
           </a:p>
         </p:txBody>
@@ -4049,7 +4313,7 @@
         <p:spPr>
           <a:xfrm>
             <a:off x="14306" y="2819809"/>
-            <a:ext cx="936475" cy="646331"/>
+            <a:ext cx="864339" cy="646331"/>
           </a:xfrm>
           <a:prstGeom prst="rect">
             <a:avLst/>
@@ -4081,7 +4345,7 @@
                 <a:latin typeface="Roboto Condensed" panose="02000000000000000000" pitchFamily="2" charset="0"/>
                 <a:ea typeface="Roboto Condensed" panose="02000000000000000000" pitchFamily="2" charset="0"/>
               </a:rPr>
-              <a:t>Long-term</a:t>
+              <a:t>long-term</a:t>
             </a:r>
             <a:br>
               <a:rPr lang="en-US" sz="1100" dirty="0">
@@ -4094,7 +4358,7 @@
                 <a:latin typeface="Roboto Condensed" panose="02000000000000000000" pitchFamily="2" charset="0"/>
                 <a:ea typeface="Roboto Condensed" panose="02000000000000000000" pitchFamily="2" charset="0"/>
               </a:rPr>
-              <a:t>mean = 12.44</a:t>
+              <a:t>median = 13</a:t>
             </a:r>
           </a:p>
         </p:txBody>
@@ -4314,7 +4578,7 @@
         <p:spPr>
           <a:xfrm>
             <a:off x="1256860" y="3981550"/>
-            <a:ext cx="1436612" cy="600164"/>
+            <a:ext cx="1467068" cy="600164"/>
           </a:xfrm>
           <a:prstGeom prst="rect">
             <a:avLst/>
@@ -4332,7 +4596,7 @@
                 <a:latin typeface="Roboto Condensed" panose="02000000000000000000" pitchFamily="2" charset="0"/>
                 <a:ea typeface="Roboto Condensed" panose="02000000000000000000" pitchFamily="2" charset="0"/>
               </a:rPr>
-              <a:t>mean anomaly = </a:t>
+              <a:t>median anomaly = </a:t>
             </a:r>
             <a:r>
               <a:rPr lang="en-US" sz="1100" b="1" dirty="0">
@@ -4342,23 +4606,16 @@
                 <a:latin typeface="Roboto Condensed" panose="02000000000000000000" pitchFamily="2" charset="0"/>
                 <a:ea typeface="Roboto Condensed" panose="02000000000000000000" pitchFamily="2" charset="0"/>
               </a:rPr>
-              <a:t>-0.50</a:t>
-            </a:r>
-          </a:p>
-          <a:p>
-            <a:r>
-              <a:rPr lang="en-US" sz="1100" dirty="0" err="1">
-                <a:latin typeface="Roboto Condensed" panose="02000000000000000000" pitchFamily="2" charset="0"/>
-                <a:ea typeface="Roboto Condensed" panose="02000000000000000000" pitchFamily="2" charset="0"/>
-              </a:rPr>
-              <a:t>s.d.</a:t>
-            </a:r>
+              <a:t>-0.5</a:t>
+            </a:r>
+          </a:p>
+          <a:p>
             <a:r>
               <a:rPr lang="en-US" sz="1100" dirty="0">
                 <a:latin typeface="Roboto Condensed" panose="02000000000000000000" pitchFamily="2" charset="0"/>
                 <a:ea typeface="Roboto Condensed" panose="02000000000000000000" pitchFamily="2" charset="0"/>
               </a:rPr>
-              <a:t> anomaly = 0.98</a:t>
+              <a:t>IQR anomaly = 0.5</a:t>
             </a:r>
           </a:p>
           <a:p>
@@ -4387,7 +4644,7 @@
         <p:spPr>
           <a:xfrm>
             <a:off x="3196635" y="3981550"/>
-            <a:ext cx="1385316" cy="600164"/>
+            <a:ext cx="1415772" cy="600164"/>
           </a:xfrm>
           <a:prstGeom prst="rect">
             <a:avLst/>
@@ -4405,7 +4662,7 @@
                 <a:latin typeface="Roboto Condensed" panose="02000000000000000000" pitchFamily="2" charset="0"/>
                 <a:ea typeface="Roboto Condensed" panose="02000000000000000000" pitchFamily="2" charset="0"/>
               </a:rPr>
-              <a:t>mean anomaly = </a:t>
+              <a:t>median anomaly = </a:t>
             </a:r>
             <a:r>
               <a:rPr lang="en-US" sz="1100" b="1" dirty="0">
@@ -4415,23 +4672,16 @@
                 <a:latin typeface="Roboto Condensed" panose="02000000000000000000" pitchFamily="2" charset="0"/>
                 <a:ea typeface="Roboto Condensed" panose="02000000000000000000" pitchFamily="2" charset="0"/>
               </a:rPr>
-              <a:t>0.75</a:t>
-            </a:r>
-          </a:p>
-          <a:p>
-            <a:r>
-              <a:rPr lang="en-US" sz="1100" dirty="0" err="1">
-                <a:latin typeface="Roboto Condensed" panose="02000000000000000000" pitchFamily="2" charset="0"/>
-                <a:ea typeface="Roboto Condensed" panose="02000000000000000000" pitchFamily="2" charset="0"/>
-              </a:rPr>
-              <a:t>s.d.</a:t>
-            </a:r>
+              <a:t>0.5</a:t>
+            </a:r>
+          </a:p>
+          <a:p>
             <a:r>
               <a:rPr lang="en-US" sz="1100" dirty="0">
                 <a:latin typeface="Roboto Condensed" panose="02000000000000000000" pitchFamily="2" charset="0"/>
                 <a:ea typeface="Roboto Condensed" panose="02000000000000000000" pitchFamily="2" charset="0"/>
               </a:rPr>
-              <a:t> anomaly = 1.14</a:t>
+              <a:t>IQR anomaly = 0.5</a:t>
             </a:r>
           </a:p>
           <a:p>
@@ -4460,7 +4710,7 @@
         <p:spPr>
           <a:xfrm>
             <a:off x="5179350" y="3981550"/>
-            <a:ext cx="1313180" cy="600164"/>
+            <a:ext cx="1415772" cy="600164"/>
           </a:xfrm>
           <a:prstGeom prst="rect">
             <a:avLst/>
@@ -4478,31 +4728,38 @@
                 <a:latin typeface="Roboto Condensed" panose="02000000000000000000" pitchFamily="2" charset="0"/>
                 <a:ea typeface="Roboto Condensed" panose="02000000000000000000" pitchFamily="2" charset="0"/>
               </a:rPr>
-              <a:t>mean anomaly = </a:t>
+              <a:t>median anomaly = </a:t>
             </a:r>
             <a:r>
               <a:rPr lang="en-US" sz="1100" b="1" dirty="0">
+                <a:solidFill>
+                  <a:srgbClr val="8B0000"/>
+                </a:solidFill>
                 <a:latin typeface="Roboto Condensed" panose="02000000000000000000" pitchFamily="2" charset="0"/>
                 <a:ea typeface="Roboto Condensed" panose="02000000000000000000" pitchFamily="2" charset="0"/>
               </a:rPr>
-              <a:t>0</a:t>
-            </a:r>
-          </a:p>
-          <a:p>
-            <a:r>
-              <a:rPr lang="en-US" sz="1100" dirty="0" err="1">
-                <a:latin typeface="Roboto Condensed" panose="02000000000000000000" pitchFamily="2" charset="0"/>
-                <a:ea typeface="Roboto Condensed" panose="02000000000000000000" pitchFamily="2" charset="0"/>
-              </a:rPr>
-              <a:t>s.d.</a:t>
-            </a:r>
+              <a:t>0.5</a:t>
+            </a:r>
+          </a:p>
+          <a:p>
             <a:r>
               <a:rPr lang="en-US" sz="1100" dirty="0">
                 <a:latin typeface="Roboto Condensed" panose="02000000000000000000" pitchFamily="2" charset="0"/>
                 <a:ea typeface="Roboto Condensed" panose="02000000000000000000" pitchFamily="2" charset="0"/>
               </a:rPr>
-              <a:t> anomaly = 1.15</a:t>
-            </a:r>
+              <a:t>IQR anomaly </a:t>
+            </a:r>
+            <a:r>
+              <a:rPr lang="en-US" sz="1100">
+                <a:latin typeface="Roboto Condensed" panose="02000000000000000000" pitchFamily="2" charset="0"/>
+                <a:ea typeface="Roboto Condensed" panose="02000000000000000000" pitchFamily="2" charset="0"/>
+              </a:rPr>
+              <a:t>= 2.75 </a:t>
+            </a:r>
+            <a:endParaRPr lang="en-US" sz="1100" dirty="0">
+              <a:latin typeface="Roboto Condensed" panose="02000000000000000000" pitchFamily="2" charset="0"/>
+              <a:ea typeface="Roboto Condensed" panose="02000000000000000000" pitchFamily="2" charset="0"/>
+            </a:endParaRPr>
           </a:p>
           <a:p>
             <a:r>
@@ -4529,8 +4786,8 @@
         </p:nvSpPr>
         <p:spPr>
           <a:xfrm>
-            <a:off x="41556" y="4008331"/>
-            <a:ext cx="813044" cy="523220"/>
+            <a:off x="52777" y="4008331"/>
+            <a:ext cx="790602" cy="523220"/>
           </a:xfrm>
           <a:prstGeom prst="rect">
             <a:avLst/>
@@ -4549,7 +4806,7 @@
                 <a:latin typeface="Roboto Condensed" panose="02000000000000000000" pitchFamily="2" charset="0"/>
                 <a:ea typeface="Roboto Condensed" panose="02000000000000000000" pitchFamily="2" charset="0"/>
               </a:rPr>
-              <a:t>Mean </a:t>
+              <a:t>median </a:t>
             </a:r>
           </a:p>
           <a:p>
@@ -4559,7 +4816,7 @@
                 <a:latin typeface="Roboto Condensed" panose="02000000000000000000" pitchFamily="2" charset="0"/>
                 <a:ea typeface="Roboto Condensed" panose="02000000000000000000" pitchFamily="2" charset="0"/>
               </a:rPr>
-              <a:t>Anomaly</a:t>
+              <a:t>anomaly</a:t>
             </a:r>
           </a:p>
         </p:txBody>
@@ -4689,10 +4946,10 @@
         </p:nvGrpSpPr>
         <p:grpSpPr>
           <a:xfrm>
-            <a:off x="1504683" y="514145"/>
-            <a:ext cx="1468672" cy="864840"/>
-            <a:chOff x="1504683" y="419141"/>
-            <a:chExt cx="1468672" cy="864840"/>
+            <a:off x="1517507" y="514145"/>
+            <a:ext cx="1443024" cy="864840"/>
+            <a:chOff x="1517507" y="419141"/>
+            <a:chExt cx="1443024" cy="864840"/>
           </a:xfrm>
         </p:grpSpPr>
         <p:sp>
@@ -4709,8 +4966,8 @@
           </p:nvSpPr>
           <p:spPr>
             <a:xfrm>
-              <a:off x="1580826" y="419141"/>
-              <a:ext cx="1316386" cy="430887"/>
+              <a:off x="1551170" y="419141"/>
+              <a:ext cx="1375698" cy="430887"/>
             </a:xfrm>
             <a:prstGeom prst="rect">
               <a:avLst/>
@@ -4726,14 +4983,14 @@
               <a:pPr algn="ctr"/>
               <a:r>
                 <a:rPr lang="en-US" sz="1100" i="1" dirty="0"/>
-                <a:t>Site and Year mean</a:t>
+                <a:t>site and year median</a:t>
               </a:r>
             </a:p>
             <a:p>
               <a:pPr algn="ctr"/>
               <a:r>
                 <a:rPr lang="en-US" sz="1100" dirty="0"/>
-                <a:t>5.67</a:t>
+                <a:t>5</a:t>
               </a:r>
             </a:p>
           </p:txBody>
@@ -4752,8 +5009,8 @@
           </p:nvSpPr>
           <p:spPr>
             <a:xfrm>
-              <a:off x="1504683" y="853094"/>
-              <a:ext cx="1468672" cy="430887"/>
+              <a:off x="1517507" y="853094"/>
+              <a:ext cx="1443024" cy="430887"/>
             </a:xfrm>
             <a:prstGeom prst="rect">
               <a:avLst/>
@@ -4768,14 +5025,14 @@
               <a:pPr algn="ctr"/>
               <a:r>
                 <a:rPr lang="en-US" sz="1100" i="1" dirty="0"/>
-                <a:t>Site and Year Anomaly</a:t>
+                <a:t>site and year anomaly</a:t>
               </a:r>
             </a:p>
             <a:p>
               <a:pPr algn="ctr"/>
               <a:r>
                 <a:rPr lang="en-US" sz="1100" dirty="0"/>
-                <a:t>5.67 – 7.06 </a:t>
+                <a:t>5 – 6 </a:t>
               </a:r>
               <a:r>
                 <a:rPr lang="en-US" sz="1100" b="1" dirty="0"/>
@@ -4787,7 +5044,7 @@
                     <a:srgbClr val="00008B"/>
                   </a:solidFill>
                 </a:rPr>
-                <a:t>-1.39</a:t>
+                <a:t>-1</a:t>
               </a:r>
             </a:p>
           </p:txBody>
@@ -4918,10 +5175,10 @@
         </p:nvGrpSpPr>
         <p:grpSpPr>
           <a:xfrm>
-            <a:off x="3438701" y="514145"/>
-            <a:ext cx="1468672" cy="864840"/>
-            <a:chOff x="3438701" y="419141"/>
-            <a:chExt cx="1468672" cy="864840"/>
+            <a:off x="3451525" y="514145"/>
+            <a:ext cx="1443024" cy="864840"/>
+            <a:chOff x="3451525" y="419141"/>
+            <a:chExt cx="1443024" cy="864840"/>
           </a:xfrm>
         </p:grpSpPr>
         <p:sp>
@@ -4938,8 +5195,8 @@
           </p:nvSpPr>
           <p:spPr>
             <a:xfrm>
-              <a:off x="3514844" y="419141"/>
-              <a:ext cx="1316386" cy="430887"/>
+              <a:off x="3485188" y="419141"/>
+              <a:ext cx="1375698" cy="430887"/>
             </a:xfrm>
             <a:prstGeom prst="rect">
               <a:avLst/>
@@ -4955,14 +5212,14 @@
               <a:pPr algn="ctr"/>
               <a:r>
                 <a:rPr lang="en-US" sz="1100" i="1" dirty="0"/>
-                <a:t>Site and Year mean</a:t>
+                <a:t>site and year median</a:t>
               </a:r>
             </a:p>
             <a:p>
               <a:pPr algn="ctr"/>
               <a:r>
                 <a:rPr lang="en-US" sz="1100" dirty="0"/>
-                <a:t>7</a:t>
+                <a:t>6</a:t>
               </a:r>
             </a:p>
           </p:txBody>
@@ -4981,8 +5238,8 @@
           </p:nvSpPr>
           <p:spPr>
             <a:xfrm>
-              <a:off x="3438701" y="853094"/>
-              <a:ext cx="1468672" cy="430887"/>
+              <a:off x="3451525" y="853094"/>
+              <a:ext cx="1443024" cy="430887"/>
             </a:xfrm>
             <a:prstGeom prst="rect">
               <a:avLst/>
@@ -4997,14 +5254,14 @@
               <a:pPr algn="ctr"/>
               <a:r>
                 <a:rPr lang="en-US" sz="1100" i="1" dirty="0"/>
-                <a:t>Site and Year Anomaly</a:t>
+                <a:t>site and year anomaly</a:t>
               </a:r>
             </a:p>
             <a:p>
               <a:pPr algn="ctr"/>
               <a:r>
                 <a:rPr lang="en-US" sz="1100" dirty="0"/>
-                <a:t>7 – 7.06 </a:t>
+                <a:t>6 – 6 </a:t>
               </a:r>
               <a:r>
                 <a:rPr lang="en-US" sz="1100" b="1" dirty="0"/>
@@ -5013,15 +5270,20 @@
               <a:r>
                 <a:rPr lang="en-US" sz="1100" b="1" dirty="0">
                   <a:solidFill>
-                    <a:srgbClr val="00008B"/>
+                    <a:schemeClr val="bg2">
+                      <a:lumMod val="50000"/>
+                    </a:schemeClr>
                   </a:solidFill>
                 </a:rPr>
-                <a:t>-0.057</a:t>
+                <a:t>0</a:t>
               </a:r>
-              <a:r>
-                <a:rPr lang="en-US" sz="1100" dirty="0"/>
-                <a:t> </a:t>
-              </a:r>
+              <a:endParaRPr lang="en-US" sz="1100" dirty="0">
+                <a:solidFill>
+                  <a:schemeClr val="bg2">
+                    <a:lumMod val="50000"/>
+                  </a:schemeClr>
+                </a:solidFill>
+              </a:endParaRPr>
             </a:p>
           </p:txBody>
         </p:sp>
@@ -5148,10 +5410,10 @@
         </p:nvGrpSpPr>
         <p:grpSpPr>
           <a:xfrm>
-            <a:off x="5417077" y="514145"/>
-            <a:ext cx="1468672" cy="864840"/>
-            <a:chOff x="5417077" y="419141"/>
-            <a:chExt cx="1468672" cy="864840"/>
+            <a:off x="5429901" y="514145"/>
+            <a:ext cx="1443024" cy="864840"/>
+            <a:chOff x="5429901" y="419141"/>
+            <a:chExt cx="1443024" cy="864840"/>
           </a:xfrm>
         </p:grpSpPr>
         <p:sp>
@@ -5168,8 +5430,8 @@
           </p:nvSpPr>
           <p:spPr>
             <a:xfrm>
-              <a:off x="5493220" y="419141"/>
-              <a:ext cx="1316386" cy="430887"/>
+              <a:off x="5463564" y="419141"/>
+              <a:ext cx="1375698" cy="430887"/>
             </a:xfrm>
             <a:prstGeom prst="rect">
               <a:avLst/>
@@ -5185,7 +5447,7 @@
               <a:pPr algn="ctr"/>
               <a:r>
                 <a:rPr lang="en-US" sz="1100" i="1" dirty="0"/>
-                <a:t>Site and Year mean</a:t>
+                <a:t>site and year median</a:t>
               </a:r>
             </a:p>
             <a:p>
@@ -5211,8 +5473,8 @@
           </p:nvSpPr>
           <p:spPr>
             <a:xfrm>
-              <a:off x="5417077" y="853094"/>
-              <a:ext cx="1468672" cy="430887"/>
+              <a:off x="5429901" y="853094"/>
+              <a:ext cx="1443024" cy="430887"/>
             </a:xfrm>
             <a:prstGeom prst="rect">
               <a:avLst/>
@@ -5227,14 +5489,14 @@
               <a:pPr algn="ctr"/>
               <a:r>
                 <a:rPr lang="en-US" sz="1100" i="1" dirty="0"/>
-                <a:t>Site and Year Anomaly</a:t>
+                <a:t>site and year anomaly</a:t>
               </a:r>
             </a:p>
             <a:p>
               <a:pPr algn="ctr"/>
               <a:r>
                 <a:rPr lang="en-US" sz="1100" dirty="0"/>
-                <a:t>8.5 – 7.06</a:t>
+                <a:t>8.5 – 6</a:t>
               </a:r>
               <a:r>
                 <a:rPr lang="en-US" sz="1100" b="1" dirty="0"/>
@@ -5246,7 +5508,7 @@
                     <a:srgbClr val="8B0000"/>
                   </a:solidFill>
                 </a:rPr>
-                <a:t>1.44</a:t>
+                <a:t>2.5</a:t>
               </a:r>
               <a:r>
                 <a:rPr lang="en-US" sz="1100" dirty="0"/>
@@ -5388,10 +5650,10 @@
         </p:nvGrpSpPr>
         <p:grpSpPr>
           <a:xfrm>
-            <a:off x="1504683" y="1714482"/>
-            <a:ext cx="1468672" cy="864840"/>
-            <a:chOff x="1504683" y="1619475"/>
-            <a:chExt cx="1468672" cy="864840"/>
+            <a:off x="1517507" y="1714482"/>
+            <a:ext cx="1443024" cy="864840"/>
+            <a:chOff x="1517507" y="1619475"/>
+            <a:chExt cx="1443024" cy="864840"/>
           </a:xfrm>
         </p:grpSpPr>
         <p:sp>
@@ -5408,8 +5670,8 @@
           </p:nvSpPr>
           <p:spPr>
             <a:xfrm>
-              <a:off x="1580826" y="1619475"/>
-              <a:ext cx="1316386" cy="430887"/>
+              <a:off x="1551170" y="1619475"/>
+              <a:ext cx="1375698" cy="430887"/>
             </a:xfrm>
             <a:prstGeom prst="rect">
               <a:avLst/>
@@ -5425,7 +5687,7 @@
               <a:pPr algn="ctr"/>
               <a:r>
                 <a:rPr lang="en-US" sz="1100" i="1" dirty="0"/>
-                <a:t>Site and Year mean</a:t>
+                <a:t>site and year median</a:t>
               </a:r>
             </a:p>
             <a:p>
@@ -5451,8 +5713,8 @@
           </p:nvSpPr>
           <p:spPr>
             <a:xfrm>
-              <a:off x="1504683" y="2053428"/>
-              <a:ext cx="1468672" cy="430887"/>
+              <a:off x="1517507" y="2053428"/>
+              <a:ext cx="1443024" cy="430887"/>
             </a:xfrm>
             <a:prstGeom prst="rect">
               <a:avLst/>
@@ -5467,14 +5729,14 @@
               <a:pPr algn="ctr"/>
               <a:r>
                 <a:rPr lang="en-US" sz="1100" i="1" dirty="0"/>
-                <a:t>Site and Year Anomaly</a:t>
+                <a:t>site and year anomaly</a:t>
               </a:r>
             </a:p>
             <a:p>
               <a:pPr algn="ctr"/>
               <a:r>
                 <a:rPr lang="en-US" sz="1100" dirty="0"/>
-                <a:t>3 – 3.66 </a:t>
+                <a:t>3 – 3.5 </a:t>
               </a:r>
               <a:r>
                 <a:rPr lang="en-US" sz="1100" b="1" dirty="0"/>
@@ -5486,7 +5748,7 @@
                     <a:srgbClr val="00008B"/>
                   </a:solidFill>
                 </a:rPr>
-                <a:t>-0.67</a:t>
+                <a:t>-0.5</a:t>
               </a:r>
               <a:r>
                 <a:rPr lang="en-US" sz="1100" dirty="0"/>
@@ -5621,10 +5883,10 @@
         </p:nvGrpSpPr>
         <p:grpSpPr>
           <a:xfrm>
-            <a:off x="5417077" y="1714482"/>
-            <a:ext cx="1468672" cy="864840"/>
-            <a:chOff x="5417077" y="1619475"/>
-            <a:chExt cx="1468672" cy="864840"/>
+            <a:off x="5429901" y="1714482"/>
+            <a:ext cx="1443024" cy="864840"/>
+            <a:chOff x="5429901" y="1619475"/>
+            <a:chExt cx="1443024" cy="864840"/>
           </a:xfrm>
         </p:grpSpPr>
         <p:sp>
@@ -5641,8 +5903,8 @@
           </p:nvSpPr>
           <p:spPr>
             <a:xfrm>
-              <a:off x="5493220" y="1619475"/>
-              <a:ext cx="1316386" cy="430887"/>
+              <a:off x="5463564" y="1619475"/>
+              <a:ext cx="1375698" cy="430887"/>
             </a:xfrm>
             <a:prstGeom prst="rect">
               <a:avLst/>
@@ -5658,14 +5920,14 @@
               <a:pPr algn="ctr"/>
               <a:r>
                 <a:rPr lang="en-US" sz="1100" i="1" dirty="0"/>
-                <a:t>Site and Year mean</a:t>
+                <a:t>site and year median</a:t>
               </a:r>
             </a:p>
             <a:p>
               <a:pPr algn="ctr"/>
               <a:r>
                 <a:rPr lang="en-US" sz="1100" dirty="0"/>
-                <a:t>4.33</a:t>
+                <a:t>4</a:t>
               </a:r>
             </a:p>
           </p:txBody>
@@ -5684,8 +5946,8 @@
           </p:nvSpPr>
           <p:spPr>
             <a:xfrm>
-              <a:off x="5417077" y="2053428"/>
-              <a:ext cx="1468672" cy="430887"/>
+              <a:off x="5429901" y="2053428"/>
+              <a:ext cx="1443024" cy="430887"/>
             </a:xfrm>
             <a:prstGeom prst="rect">
               <a:avLst/>
@@ -5700,14 +5962,14 @@
               <a:pPr algn="ctr"/>
               <a:r>
                 <a:rPr lang="en-US" sz="1100" i="1" dirty="0"/>
-                <a:t>Site and Year Anomaly</a:t>
+                <a:t>site and year anomaly</a:t>
               </a:r>
             </a:p>
             <a:p>
               <a:pPr algn="ctr"/>
               <a:r>
                 <a:rPr lang="en-US" sz="1100" dirty="0"/>
-                <a:t>4.33 – 3.66 </a:t>
+                <a:t>4 – 3.5 </a:t>
               </a:r>
               <a:r>
                 <a:rPr lang="en-US" sz="1100" b="1" dirty="0"/>
@@ -5719,7 +5981,7 @@
                     <a:srgbClr val="8B0000"/>
                   </a:solidFill>
                 </a:rPr>
-                <a:t>0.67</a:t>
+                <a:t>0.5</a:t>
               </a:r>
             </a:p>
           </p:txBody>
@@ -5847,10 +6109,10 @@
         </p:nvGrpSpPr>
         <p:grpSpPr>
           <a:xfrm>
-            <a:off x="1504683" y="2914694"/>
-            <a:ext cx="1468672" cy="864840"/>
-            <a:chOff x="1504683" y="2819809"/>
-            <a:chExt cx="1468672" cy="864840"/>
+            <a:off x="1517507" y="2914694"/>
+            <a:ext cx="1443024" cy="864840"/>
+            <a:chOff x="1517507" y="2819809"/>
+            <a:chExt cx="1443024" cy="864840"/>
           </a:xfrm>
         </p:grpSpPr>
         <p:sp>
@@ -5867,8 +6129,8 @@
           </p:nvSpPr>
           <p:spPr>
             <a:xfrm>
-              <a:off x="1580826" y="2819809"/>
-              <a:ext cx="1316386" cy="430887"/>
+              <a:off x="1551170" y="2819809"/>
+              <a:ext cx="1375698" cy="430887"/>
             </a:xfrm>
             <a:prstGeom prst="rect">
               <a:avLst/>
@@ -5884,7 +6146,7 @@
               <a:pPr algn="ctr"/>
               <a:r>
                 <a:rPr lang="en-US" sz="1100" i="1" dirty="0"/>
-                <a:t>Site and Year mean</a:t>
+                <a:t>site and year median</a:t>
               </a:r>
             </a:p>
             <a:p>
@@ -5910,8 +6172,8 @@
           </p:nvSpPr>
           <p:spPr>
             <a:xfrm>
-              <a:off x="1504683" y="3253762"/>
-              <a:ext cx="1468672" cy="430887"/>
+              <a:off x="1517507" y="3253762"/>
+              <a:ext cx="1443024" cy="430887"/>
             </a:xfrm>
             <a:prstGeom prst="rect">
               <a:avLst/>
@@ -5926,14 +6188,14 @@
               <a:pPr algn="ctr"/>
               <a:r>
                 <a:rPr lang="en-US" sz="1100" i="1" dirty="0"/>
-                <a:t>Site and Year Anomaly</a:t>
+                <a:t>site and year anomaly</a:t>
               </a:r>
             </a:p>
             <a:p>
               <a:pPr algn="ctr"/>
               <a:r>
                 <a:rPr lang="en-US" sz="1100" dirty="0"/>
-                <a:t>13 – 12.44 </a:t>
+                <a:t>13 – 13 </a:t>
               </a:r>
               <a:r>
                 <a:rPr lang="en-US" sz="1100" b="1" dirty="0"/>
@@ -5942,10 +6204,12 @@
               <a:r>
                 <a:rPr lang="en-US" sz="1100" b="1" dirty="0">
                   <a:solidFill>
-                    <a:srgbClr val="8B0000"/>
+                    <a:schemeClr val="bg2">
+                      <a:lumMod val="50000"/>
+                    </a:schemeClr>
                   </a:solidFill>
                 </a:rPr>
-                <a:t>0.56</a:t>
+                <a:t>0</a:t>
               </a:r>
             </a:p>
           </p:txBody>
@@ -6070,10 +6334,10 @@
         </p:nvGrpSpPr>
         <p:grpSpPr>
           <a:xfrm>
-            <a:off x="3438701" y="2914694"/>
-            <a:ext cx="1468672" cy="864840"/>
-            <a:chOff x="3438701" y="2819809"/>
-            <a:chExt cx="1468672" cy="864840"/>
+            <a:off x="3451525" y="2914694"/>
+            <a:ext cx="1443024" cy="864840"/>
+            <a:chOff x="3451525" y="2819809"/>
+            <a:chExt cx="1443024" cy="864840"/>
           </a:xfrm>
         </p:grpSpPr>
         <p:sp>
@@ -6090,8 +6354,8 @@
           </p:nvSpPr>
           <p:spPr>
             <a:xfrm>
-              <a:off x="3514844" y="2819809"/>
-              <a:ext cx="1316386" cy="430887"/>
+              <a:off x="3485188" y="2819809"/>
+              <a:ext cx="1375698" cy="430887"/>
             </a:xfrm>
             <a:prstGeom prst="rect">
               <a:avLst/>
@@ -6107,7 +6371,7 @@
               <a:pPr algn="ctr"/>
               <a:r>
                 <a:rPr lang="en-US" sz="1100" i="1" dirty="0"/>
-                <a:t>Site and Year mean</a:t>
+                <a:t>site and year median</a:t>
               </a:r>
             </a:p>
             <a:p>
@@ -6133,8 +6397,8 @@
           </p:nvSpPr>
           <p:spPr>
             <a:xfrm>
-              <a:off x="3438701" y="3253762"/>
-              <a:ext cx="1468672" cy="430887"/>
+              <a:off x="3451525" y="3253762"/>
+              <a:ext cx="1443024" cy="430887"/>
             </a:xfrm>
             <a:prstGeom prst="rect">
               <a:avLst/>
@@ -6149,14 +6413,14 @@
               <a:pPr algn="ctr"/>
               <a:r>
                 <a:rPr lang="en-US" sz="1100" i="1" dirty="0"/>
-                <a:t>Site and Year Anomaly</a:t>
+                <a:t>site and year anomaly</a:t>
               </a:r>
             </a:p>
             <a:p>
               <a:pPr algn="ctr"/>
               <a:r>
                 <a:rPr lang="en-US" sz="1100" dirty="0"/>
-                <a:t>14 – 12.44 </a:t>
+                <a:t>14 – 13 </a:t>
               </a:r>
               <a:r>
                 <a:rPr lang="en-US" sz="1100" b="1" dirty="0"/>
@@ -6168,7 +6432,7 @@
                     <a:srgbClr val="8B0000"/>
                   </a:solidFill>
                 </a:rPr>
-                <a:t>1.56</a:t>
+                <a:t>1</a:t>
               </a:r>
             </a:p>
           </p:txBody>
@@ -6299,10 +6563,10 @@
         </p:nvGrpSpPr>
         <p:grpSpPr>
           <a:xfrm>
-            <a:off x="5417077" y="2914694"/>
-            <a:ext cx="1468672" cy="864840"/>
-            <a:chOff x="5417077" y="2819809"/>
-            <a:chExt cx="1468672" cy="864840"/>
+            <a:off x="5429901" y="2914694"/>
+            <a:ext cx="1443024" cy="864840"/>
+            <a:chOff x="5429901" y="2819809"/>
+            <a:chExt cx="1443024" cy="864840"/>
           </a:xfrm>
         </p:grpSpPr>
         <p:sp>
@@ -6319,8 +6583,8 @@
           </p:nvSpPr>
           <p:spPr>
             <a:xfrm>
-              <a:off x="5493220" y="2819809"/>
-              <a:ext cx="1316386" cy="430887"/>
+              <a:off x="5463564" y="2819809"/>
+              <a:ext cx="1375698" cy="430887"/>
             </a:xfrm>
             <a:prstGeom prst="rect">
               <a:avLst/>
@@ -6336,14 +6600,14 @@
               <a:pPr algn="ctr"/>
               <a:r>
                 <a:rPr lang="en-US" sz="1100" i="1" dirty="0"/>
-                <a:t>Site and Year mean</a:t>
+                <a:t>site and year median</a:t>
               </a:r>
             </a:p>
             <a:p>
               <a:pPr algn="ctr"/>
               <a:r>
                 <a:rPr lang="en-US" sz="1100" dirty="0"/>
-                <a:t>10.33</a:t>
+                <a:t>10</a:t>
               </a:r>
             </a:p>
           </p:txBody>
@@ -6362,8 +6626,8 @@
           </p:nvSpPr>
           <p:spPr>
             <a:xfrm>
-              <a:off x="5417077" y="3253762"/>
-              <a:ext cx="1468672" cy="430887"/>
+              <a:off x="5429901" y="3253762"/>
+              <a:ext cx="1443024" cy="430887"/>
             </a:xfrm>
             <a:prstGeom prst="rect">
               <a:avLst/>
@@ -6378,14 +6642,14 @@
               <a:pPr algn="ctr"/>
               <a:r>
                 <a:rPr lang="en-US" sz="1100" i="1" dirty="0"/>
-                <a:t>Site and Year Anomaly</a:t>
+                <a:t>site and year anomaly</a:t>
               </a:r>
             </a:p>
             <a:p>
               <a:pPr algn="ctr"/>
               <a:r>
                 <a:rPr lang="en-US" sz="1100" dirty="0"/>
-                <a:t>10.33 – 12.44 </a:t>
+                <a:t>10 – 13 </a:t>
               </a:r>
               <a:r>
                 <a:rPr lang="en-US" sz="1100" b="1" dirty="0"/>
@@ -6397,7 +6661,7 @@
                     <a:srgbClr val="00008B"/>
                   </a:solidFill>
                 </a:rPr>
-                <a:t>-2.11</a:t>
+                <a:t>-3</a:t>
               </a:r>
               <a:r>
                 <a:rPr lang="en-US" sz="1100" dirty="0"/>

--- a/figures/anomaly_schematic.pptx
+++ b/figures/anomaly_schematic.pptx
@@ -1306,6 +1306,46 @@
       </pc:sldChg>
     </pc:docChg>
   </pc:docChgLst>
+  <pc:docChgLst>
+    <pc:chgData name="Hollister, Jeff" userId="90904e2a-aa82-465e-9922-afce4bc6d524" providerId="ADAL" clId="{EE19FD1B-8BEF-44DF-87D8-1C4DB7C4C1BC}"/>
+    <pc:docChg chg="modSld">
+      <pc:chgData name="Hollister, Jeff" userId="90904e2a-aa82-465e-9922-afce4bc6d524" providerId="ADAL" clId="{EE19FD1B-8BEF-44DF-87D8-1C4DB7C4C1BC}" dt="2020-12-04T17:52:21.714" v="28" actId="20577"/>
+      <pc:docMkLst>
+        <pc:docMk/>
+      </pc:docMkLst>
+      <pc:sldChg chg="modSp">
+        <pc:chgData name="Hollister, Jeff" userId="90904e2a-aa82-465e-9922-afce4bc6d524" providerId="ADAL" clId="{EE19FD1B-8BEF-44DF-87D8-1C4DB7C4C1BC}" dt="2020-12-04T17:52:21.714" v="28" actId="20577"/>
+        <pc:sldMkLst>
+          <pc:docMk/>
+          <pc:sldMk cId="1258879937" sldId="257"/>
+        </pc:sldMkLst>
+        <pc:spChg chg="mod">
+          <ac:chgData name="Hollister, Jeff" userId="90904e2a-aa82-465e-9922-afce4bc6d524" providerId="ADAL" clId="{EE19FD1B-8BEF-44DF-87D8-1C4DB7C4C1BC}" dt="2020-12-04T17:52:08.561" v="8" actId="20577"/>
+          <ac:spMkLst>
+            <pc:docMk/>
+            <pc:sldMk cId="1258879937" sldId="257"/>
+            <ac:spMk id="4" creationId="{9DAAA7D2-1A2B-4088-BAD1-9556A15760E2}"/>
+          </ac:spMkLst>
+        </pc:spChg>
+        <pc:spChg chg="mod">
+          <ac:chgData name="Hollister, Jeff" userId="90904e2a-aa82-465e-9922-afce4bc6d524" providerId="ADAL" clId="{EE19FD1B-8BEF-44DF-87D8-1C4DB7C4C1BC}" dt="2020-12-04T17:52:16.170" v="19" actId="20577"/>
+          <ac:spMkLst>
+            <pc:docMk/>
+            <pc:sldMk cId="1258879937" sldId="257"/>
+            <ac:spMk id="5" creationId="{8C9786EB-34F3-4C77-BDCA-E8BD08FE1D11}"/>
+          </ac:spMkLst>
+        </pc:spChg>
+        <pc:spChg chg="mod">
+          <ac:chgData name="Hollister, Jeff" userId="90904e2a-aa82-465e-9922-afce4bc6d524" providerId="ADAL" clId="{EE19FD1B-8BEF-44DF-87D8-1C4DB7C4C1BC}" dt="2020-12-04T17:52:21.714" v="28" actId="20577"/>
+          <ac:spMkLst>
+            <pc:docMk/>
+            <pc:sldMk cId="1258879937" sldId="257"/>
+            <ac:spMk id="6" creationId="{6A1187EE-F5D0-4199-837E-29800767DC0A}"/>
+          </ac:spMkLst>
+        </pc:spChg>
+      </pc:sldChg>
+    </pc:docChg>
+  </pc:docChgLst>
 </pc:chgInfo>
 </file>
 
@@ -1440,7 +1480,7 @@
           <a:p>
             <a:fld id="{F7167FF9-F47C-4F59-88DD-9CEB65E35CFA}" type="datetimeFigureOut">
               <a:rPr lang="en-US" smtClean="0"/>
-              <a:t>9/10/2020</a:t>
+              <a:t>12/4/2020</a:t>
             </a:fld>
             <a:endParaRPr lang="en-US"/>
           </a:p>
@@ -1610,7 +1650,7 @@
           <a:p>
             <a:fld id="{F7167FF9-F47C-4F59-88DD-9CEB65E35CFA}" type="datetimeFigureOut">
               <a:rPr lang="en-US" smtClean="0"/>
-              <a:t>9/10/2020</a:t>
+              <a:t>12/4/2020</a:t>
             </a:fld>
             <a:endParaRPr lang="en-US"/>
           </a:p>
@@ -1790,7 +1830,7 @@
           <a:p>
             <a:fld id="{F7167FF9-F47C-4F59-88DD-9CEB65E35CFA}" type="datetimeFigureOut">
               <a:rPr lang="en-US" smtClean="0"/>
-              <a:t>9/10/2020</a:t>
+              <a:t>12/4/2020</a:t>
             </a:fld>
             <a:endParaRPr lang="en-US"/>
           </a:p>
@@ -1960,7 +2000,7 @@
           <a:p>
             <a:fld id="{F7167FF9-F47C-4F59-88DD-9CEB65E35CFA}" type="datetimeFigureOut">
               <a:rPr lang="en-US" smtClean="0"/>
-              <a:t>9/10/2020</a:t>
+              <a:t>12/4/2020</a:t>
             </a:fld>
             <a:endParaRPr lang="en-US"/>
           </a:p>
@@ -2204,7 +2244,7 @@
           <a:p>
             <a:fld id="{F7167FF9-F47C-4F59-88DD-9CEB65E35CFA}" type="datetimeFigureOut">
               <a:rPr lang="en-US" smtClean="0"/>
-              <a:t>9/10/2020</a:t>
+              <a:t>12/4/2020</a:t>
             </a:fld>
             <a:endParaRPr lang="en-US"/>
           </a:p>
@@ -2436,7 +2476,7 @@
           <a:p>
             <a:fld id="{F7167FF9-F47C-4F59-88DD-9CEB65E35CFA}" type="datetimeFigureOut">
               <a:rPr lang="en-US" smtClean="0"/>
-              <a:t>9/10/2020</a:t>
+              <a:t>12/4/2020</a:t>
             </a:fld>
             <a:endParaRPr lang="en-US"/>
           </a:p>
@@ -2803,7 +2843,7 @@
           <a:p>
             <a:fld id="{F7167FF9-F47C-4F59-88DD-9CEB65E35CFA}" type="datetimeFigureOut">
               <a:rPr lang="en-US" smtClean="0"/>
-              <a:t>9/10/2020</a:t>
+              <a:t>12/4/2020</a:t>
             </a:fld>
             <a:endParaRPr lang="en-US"/>
           </a:p>
@@ -2921,7 +2961,7 @@
           <a:p>
             <a:fld id="{F7167FF9-F47C-4F59-88DD-9CEB65E35CFA}" type="datetimeFigureOut">
               <a:rPr lang="en-US" smtClean="0"/>
-              <a:t>9/10/2020</a:t>
+              <a:t>12/4/2020</a:t>
             </a:fld>
             <a:endParaRPr lang="en-US"/>
           </a:p>
@@ -3016,7 +3056,7 @@
           <a:p>
             <a:fld id="{F7167FF9-F47C-4F59-88DD-9CEB65E35CFA}" type="datetimeFigureOut">
               <a:rPr lang="en-US" smtClean="0"/>
-              <a:t>9/10/2020</a:t>
+              <a:t>12/4/2020</a:t>
             </a:fld>
             <a:endParaRPr lang="en-US"/>
           </a:p>
@@ -3293,7 +3333,7 @@
           <a:p>
             <a:fld id="{F7167FF9-F47C-4F59-88DD-9CEB65E35CFA}" type="datetimeFigureOut">
               <a:rPr lang="en-US" smtClean="0"/>
-              <a:t>9/10/2020</a:t>
+              <a:t>12/4/2020</a:t>
             </a:fld>
             <a:endParaRPr lang="en-US"/>
           </a:p>
@@ -3550,7 +3590,7 @@
           <a:p>
             <a:fld id="{F7167FF9-F47C-4F59-88DD-9CEB65E35CFA}" type="datetimeFigureOut">
               <a:rPr lang="en-US" smtClean="0"/>
-              <a:t>9/10/2020</a:t>
+              <a:t>12/4/2020</a:t>
             </a:fld>
             <a:endParaRPr lang="en-US"/>
           </a:p>
@@ -3763,7 +3803,7 @@
           <a:p>
             <a:fld id="{F7167FF9-F47C-4F59-88DD-9CEB65E35CFA}" type="datetimeFigureOut">
               <a:rPr lang="en-US" smtClean="0"/>
-              <a:t>9/10/2020</a:t>
+              <a:t>12/4/2020</a:t>
             </a:fld>
             <a:endParaRPr lang="en-US"/>
           </a:p>
@@ -4183,7 +4223,7 @@
         <p:spPr>
           <a:xfrm>
             <a:off x="14306" y="419141"/>
-            <a:ext cx="830677" cy="646331"/>
+            <a:ext cx="795411" cy="646331"/>
           </a:xfrm>
           <a:prstGeom prst="rect">
             <a:avLst/>
@@ -4206,7 +4246,7 @@
                 <a:latin typeface="Roboto Condensed" panose="02000000000000000000" pitchFamily="2" charset="0"/>
                 <a:ea typeface="Roboto Condensed" panose="02000000000000000000" pitchFamily="2" charset="0"/>
               </a:rPr>
-              <a:t>Station 1</a:t>
+              <a:t>Site 1</a:t>
             </a:r>
           </a:p>
           <a:p>
@@ -4271,7 +4311,7 @@
                 <a:latin typeface="Roboto Condensed" panose="02000000000000000000" pitchFamily="2" charset="0"/>
                 <a:ea typeface="Roboto Condensed" panose="02000000000000000000" pitchFamily="2" charset="0"/>
               </a:rPr>
-              <a:t>Station 2</a:t>
+              <a:t>Site 2</a:t>
             </a:r>
           </a:p>
           <a:p>
@@ -4327,6 +4367,18 @@
           <a:lstStyle/>
           <a:p>
             <a:r>
+              <a:rPr lang="en-US" sz="1400" b="1">
+                <a:solidFill>
+                  <a:schemeClr val="bg2">
+                    <a:lumMod val="25000"/>
+                  </a:schemeClr>
+                </a:solidFill>
+                <a:latin typeface="Roboto Condensed" panose="02000000000000000000" pitchFamily="2" charset="0"/>
+                <a:ea typeface="Roboto Condensed" panose="02000000000000000000" pitchFamily="2" charset="0"/>
+              </a:rPr>
+              <a:t>Site </a:t>
+            </a:r>
+            <a:r>
               <a:rPr lang="en-US" sz="1400" b="1" dirty="0">
                 <a:solidFill>
                   <a:schemeClr val="bg2">
@@ -4336,7 +4388,7 @@
                 <a:latin typeface="Roboto Condensed" panose="02000000000000000000" pitchFamily="2" charset="0"/>
                 <a:ea typeface="Roboto Condensed" panose="02000000000000000000" pitchFamily="2" charset="0"/>
               </a:rPr>
-              <a:t>Station 3</a:t>
+              <a:t>3</a:t>
             </a:r>
           </a:p>
           <a:p>
